--- a/stats_lecture.pptx
+++ b/stats_lecture.pptx
@@ -74,7 +74,7 @@
         <p:spPr>
           <a:xfrm>
             <a:off x="504000" y="301320"/>
-            <a:ext cx="9071280" cy="1261800"/>
+            <a:ext cx="9070920" cy="1261440"/>
           </a:xfrm>
           <a:prstGeom prst="rect">
             <a:avLst/>
@@ -111,7 +111,7 @@
         <p:spPr>
           <a:xfrm>
             <a:off x="504000" y="1768680"/>
-            <a:ext cx="9072000" cy="2090880"/>
+            <a:ext cx="9071640" cy="2090880"/>
           </a:xfrm>
           <a:prstGeom prst="rect">
             <a:avLst/>
@@ -147,7 +147,7 @@
         <p:spPr>
           <a:xfrm>
             <a:off x="504000" y="4058640"/>
-            <a:ext cx="9072000" cy="2090880"/>
+            <a:ext cx="9071640" cy="2090880"/>
           </a:xfrm>
           <a:prstGeom prst="rect">
             <a:avLst/>
@@ -205,7 +205,7 @@
         <p:spPr>
           <a:xfrm>
             <a:off x="504000" y="301320"/>
-            <a:ext cx="9071280" cy="1261800"/>
+            <a:ext cx="9070920" cy="1261440"/>
           </a:xfrm>
           <a:prstGeom prst="rect">
             <a:avLst/>
@@ -408,7 +408,7 @@
         <p:spPr>
           <a:xfrm>
             <a:off x="504000" y="301320"/>
-            <a:ext cx="9071280" cy="1261800"/>
+            <a:ext cx="9070920" cy="1261440"/>
           </a:xfrm>
           <a:prstGeom prst="rect">
             <a:avLst/>
@@ -445,7 +445,7 @@
         <p:spPr>
           <a:xfrm>
             <a:off x="504000" y="1768680"/>
-            <a:ext cx="9072000" cy="4384080"/>
+            <a:ext cx="9071640" cy="4383720"/>
           </a:xfrm>
           <a:prstGeom prst="rect">
             <a:avLst/>
@@ -481,7 +481,7 @@
         <p:spPr>
           <a:xfrm>
             <a:off x="504000" y="1768680"/>
-            <a:ext cx="9072000" cy="4384080"/>
+            <a:ext cx="9071640" cy="4383720"/>
           </a:xfrm>
           <a:prstGeom prst="rect">
             <a:avLst/>
@@ -516,8 +516,8 @@
         </p:blipFill>
         <p:spPr>
           <a:xfrm>
-            <a:off x="2292480" y="1768680"/>
-            <a:ext cx="5494680" cy="4384080"/>
+            <a:off x="2292480" y="1768320"/>
+            <a:ext cx="5494320" cy="4383720"/>
           </a:xfrm>
           <a:prstGeom prst="rect">
             <a:avLst/>
@@ -539,8 +539,8 @@
         </p:blipFill>
         <p:spPr>
           <a:xfrm>
-            <a:off x="2292480" y="1768680"/>
-            <a:ext cx="5494680" cy="4384080"/>
+            <a:off x="2292480" y="1768320"/>
+            <a:ext cx="5494320" cy="4383720"/>
           </a:xfrm>
           <a:prstGeom prst="rect">
             <a:avLst/>
@@ -607,7 +607,7 @@
         <p:spPr>
           <a:xfrm>
             <a:off x="504000" y="301320"/>
-            <a:ext cx="9071280" cy="1261800"/>
+            <a:ext cx="9070920" cy="1261440"/>
           </a:xfrm>
           <a:prstGeom prst="rect">
             <a:avLst/>
@@ -644,7 +644,7 @@
         <p:spPr>
           <a:xfrm>
             <a:off x="504000" y="1768680"/>
-            <a:ext cx="9072000" cy="4384080"/>
+            <a:ext cx="9071640" cy="4383720"/>
           </a:xfrm>
           <a:prstGeom prst="rect">
             <a:avLst/>
@@ -703,7 +703,7 @@
         <p:spPr>
           <a:xfrm>
             <a:off x="504000" y="301320"/>
-            <a:ext cx="9071280" cy="1261800"/>
+            <a:ext cx="9070920" cy="1261440"/>
           </a:xfrm>
           <a:prstGeom prst="rect">
             <a:avLst/>
@@ -740,7 +740,7 @@
         <p:spPr>
           <a:xfrm>
             <a:off x="504000" y="1768680"/>
-            <a:ext cx="9072000" cy="4384080"/>
+            <a:ext cx="9071640" cy="4383720"/>
           </a:xfrm>
           <a:prstGeom prst="rect">
             <a:avLst/>
@@ -798,7 +798,7 @@
         <p:spPr>
           <a:xfrm>
             <a:off x="504000" y="301320"/>
-            <a:ext cx="9071280" cy="1261800"/>
+            <a:ext cx="9070920" cy="1261440"/>
           </a:xfrm>
           <a:prstGeom prst="rect">
             <a:avLst/>
@@ -835,7 +835,7 @@
         <p:spPr>
           <a:xfrm>
             <a:off x="504000" y="1768680"/>
-            <a:ext cx="4426920" cy="4384080"/>
+            <a:ext cx="4426920" cy="4383720"/>
           </a:xfrm>
           <a:prstGeom prst="rect">
             <a:avLst/>
@@ -871,7 +871,7 @@
         <p:spPr>
           <a:xfrm>
             <a:off x="5152680" y="1768680"/>
-            <a:ext cx="4426920" cy="4384080"/>
+            <a:ext cx="4426920" cy="4383720"/>
           </a:xfrm>
           <a:prstGeom prst="rect">
             <a:avLst/>
@@ -929,7 +929,7 @@
         <p:spPr>
           <a:xfrm>
             <a:off x="504000" y="301320"/>
-            <a:ext cx="9071280" cy="1261800"/>
+            <a:ext cx="9070920" cy="1261440"/>
           </a:xfrm>
           <a:prstGeom prst="rect">
             <a:avLst/>
@@ -988,7 +988,7 @@
         <p:spPr>
           <a:xfrm>
             <a:off x="504000" y="301320"/>
-            <a:ext cx="9071280" cy="5850360"/>
+            <a:ext cx="9070920" cy="5848560"/>
           </a:xfrm>
           <a:prstGeom prst="rect">
             <a:avLst/>
@@ -1047,7 +1047,7 @@
         <p:spPr>
           <a:xfrm>
             <a:off x="504000" y="301320"/>
-            <a:ext cx="9071280" cy="1261800"/>
+            <a:ext cx="9070920" cy="1261440"/>
           </a:xfrm>
           <a:prstGeom prst="rect">
             <a:avLst/>
@@ -1156,7 +1156,7 @@
         <p:spPr>
           <a:xfrm>
             <a:off x="5152680" y="1768680"/>
-            <a:ext cx="4426920" cy="4384080"/>
+            <a:ext cx="4426920" cy="4383720"/>
           </a:xfrm>
           <a:prstGeom prst="rect">
             <a:avLst/>
@@ -1214,7 +1214,7 @@
         <p:spPr>
           <a:xfrm>
             <a:off x="504000" y="301320"/>
-            <a:ext cx="9071280" cy="1261800"/>
+            <a:ext cx="9070920" cy="1261440"/>
           </a:xfrm>
           <a:prstGeom prst="rect">
             <a:avLst/>
@@ -1251,7 +1251,7 @@
         <p:spPr>
           <a:xfrm>
             <a:off x="504000" y="1768680"/>
-            <a:ext cx="9072000" cy="4384080"/>
+            <a:ext cx="9071640" cy="4383720"/>
           </a:xfrm>
           <a:prstGeom prst="rect">
             <a:avLst/>
@@ -1310,7 +1310,7 @@
         <p:spPr>
           <a:xfrm>
             <a:off x="504000" y="301320"/>
-            <a:ext cx="9071280" cy="1261800"/>
+            <a:ext cx="9070920" cy="1261440"/>
           </a:xfrm>
           <a:prstGeom prst="rect">
             <a:avLst/>
@@ -1347,7 +1347,7 @@
         <p:spPr>
           <a:xfrm>
             <a:off x="504000" y="1768680"/>
-            <a:ext cx="4426920" cy="4384080"/>
+            <a:ext cx="4426920" cy="4383720"/>
           </a:xfrm>
           <a:prstGeom prst="rect">
             <a:avLst/>
@@ -1477,7 +1477,7 @@
         <p:spPr>
           <a:xfrm>
             <a:off x="504000" y="301320"/>
-            <a:ext cx="9071280" cy="1261800"/>
+            <a:ext cx="9070920" cy="1261440"/>
           </a:xfrm>
           <a:prstGeom prst="rect">
             <a:avLst/>
@@ -1586,7 +1586,7 @@
         <p:spPr>
           <a:xfrm>
             <a:off x="504000" y="4058640"/>
-            <a:ext cx="9072000" cy="2090880"/>
+            <a:ext cx="9071640" cy="2090880"/>
           </a:xfrm>
           <a:prstGeom prst="rect">
             <a:avLst/>
@@ -1644,7 +1644,7 @@
         <p:spPr>
           <a:xfrm>
             <a:off x="504000" y="301320"/>
-            <a:ext cx="9071280" cy="1261800"/>
+            <a:ext cx="9070920" cy="1261440"/>
           </a:xfrm>
           <a:prstGeom prst="rect">
             <a:avLst/>
@@ -1681,7 +1681,7 @@
         <p:spPr>
           <a:xfrm>
             <a:off x="504000" y="1768680"/>
-            <a:ext cx="9072000" cy="2090880"/>
+            <a:ext cx="9071640" cy="2090880"/>
           </a:xfrm>
           <a:prstGeom prst="rect">
             <a:avLst/>
@@ -1717,7 +1717,7 @@
         <p:spPr>
           <a:xfrm>
             <a:off x="504000" y="4058640"/>
-            <a:ext cx="9072000" cy="2090880"/>
+            <a:ext cx="9071640" cy="2090880"/>
           </a:xfrm>
           <a:prstGeom prst="rect">
             <a:avLst/>
@@ -1775,7 +1775,7 @@
         <p:spPr>
           <a:xfrm>
             <a:off x="504000" y="301320"/>
-            <a:ext cx="9071280" cy="1261800"/>
+            <a:ext cx="9070920" cy="1261440"/>
           </a:xfrm>
           <a:prstGeom prst="rect">
             <a:avLst/>
@@ -1978,7 +1978,7 @@
         <p:spPr>
           <a:xfrm>
             <a:off x="504000" y="301320"/>
-            <a:ext cx="9071280" cy="1261800"/>
+            <a:ext cx="9070920" cy="1261440"/>
           </a:xfrm>
           <a:prstGeom prst="rect">
             <a:avLst/>
@@ -2015,7 +2015,7 @@
         <p:spPr>
           <a:xfrm>
             <a:off x="504000" y="1768680"/>
-            <a:ext cx="9072000" cy="4384080"/>
+            <a:ext cx="9071640" cy="4383720"/>
           </a:xfrm>
           <a:prstGeom prst="rect">
             <a:avLst/>
@@ -2051,7 +2051,7 @@
         <p:spPr>
           <a:xfrm>
             <a:off x="504000" y="1768680"/>
-            <a:ext cx="9072000" cy="4384080"/>
+            <a:ext cx="9071640" cy="4383720"/>
           </a:xfrm>
           <a:prstGeom prst="rect">
             <a:avLst/>
@@ -2086,8 +2086,8 @@
         </p:blipFill>
         <p:spPr>
           <a:xfrm>
-            <a:off x="2292480" y="1768680"/>
-            <a:ext cx="5494680" cy="4384080"/>
+            <a:off x="2292480" y="1768320"/>
+            <a:ext cx="5494320" cy="4383720"/>
           </a:xfrm>
           <a:prstGeom prst="rect">
             <a:avLst/>
@@ -2109,8 +2109,8 @@
         </p:blipFill>
         <p:spPr>
           <a:xfrm>
-            <a:off x="2292480" y="1768680"/>
-            <a:ext cx="5494680" cy="4384080"/>
+            <a:off x="2292480" y="1768320"/>
+            <a:ext cx="5494320" cy="4383720"/>
           </a:xfrm>
           <a:prstGeom prst="rect">
             <a:avLst/>
@@ -2155,7 +2155,7 @@
         <p:spPr>
           <a:xfrm>
             <a:off x="504000" y="301320"/>
-            <a:ext cx="9071280" cy="1261800"/>
+            <a:ext cx="9070920" cy="1261440"/>
           </a:xfrm>
           <a:prstGeom prst="rect">
             <a:avLst/>
@@ -2192,7 +2192,7 @@
         <p:spPr>
           <a:xfrm>
             <a:off x="504000" y="1768680"/>
-            <a:ext cx="9072000" cy="4384080"/>
+            <a:ext cx="9071640" cy="4383720"/>
           </a:xfrm>
           <a:prstGeom prst="rect">
             <a:avLst/>
@@ -2250,7 +2250,7 @@
         <p:spPr>
           <a:xfrm>
             <a:off x="504000" y="301320"/>
-            <a:ext cx="9071280" cy="1261800"/>
+            <a:ext cx="9070920" cy="1261440"/>
           </a:xfrm>
           <a:prstGeom prst="rect">
             <a:avLst/>
@@ -2287,7 +2287,7 @@
         <p:spPr>
           <a:xfrm>
             <a:off x="504000" y="1768680"/>
-            <a:ext cx="4426920" cy="4384080"/>
+            <a:ext cx="4426920" cy="4383720"/>
           </a:xfrm>
           <a:prstGeom prst="rect">
             <a:avLst/>
@@ -2323,7 +2323,7 @@
         <p:spPr>
           <a:xfrm>
             <a:off x="5152680" y="1768680"/>
-            <a:ext cx="4426920" cy="4384080"/>
+            <a:ext cx="4426920" cy="4383720"/>
           </a:xfrm>
           <a:prstGeom prst="rect">
             <a:avLst/>
@@ -2381,7 +2381,7 @@
         <p:spPr>
           <a:xfrm>
             <a:off x="504000" y="301320"/>
-            <a:ext cx="9071280" cy="1261800"/>
+            <a:ext cx="9070920" cy="1261440"/>
           </a:xfrm>
           <a:prstGeom prst="rect">
             <a:avLst/>
@@ -2440,7 +2440,7 @@
         <p:spPr>
           <a:xfrm>
             <a:off x="504000" y="301320"/>
-            <a:ext cx="9071280" cy="5850360"/>
+            <a:ext cx="9070920" cy="5848560"/>
           </a:xfrm>
           <a:prstGeom prst="rect">
             <a:avLst/>
@@ -2499,7 +2499,7 @@
         <p:spPr>
           <a:xfrm>
             <a:off x="504000" y="301320"/>
-            <a:ext cx="9071280" cy="1261800"/>
+            <a:ext cx="9070920" cy="1261440"/>
           </a:xfrm>
           <a:prstGeom prst="rect">
             <a:avLst/>
@@ -2608,7 +2608,7 @@
         <p:spPr>
           <a:xfrm>
             <a:off x="5152680" y="1768680"/>
-            <a:ext cx="4426920" cy="4384080"/>
+            <a:ext cx="4426920" cy="4383720"/>
           </a:xfrm>
           <a:prstGeom prst="rect">
             <a:avLst/>
@@ -2666,7 +2666,7 @@
         <p:spPr>
           <a:xfrm>
             <a:off x="504000" y="301320"/>
-            <a:ext cx="9071280" cy="1261800"/>
+            <a:ext cx="9070920" cy="1261440"/>
           </a:xfrm>
           <a:prstGeom prst="rect">
             <a:avLst/>
@@ -2703,7 +2703,7 @@
         <p:spPr>
           <a:xfrm>
             <a:off x="504000" y="1768680"/>
-            <a:ext cx="4426920" cy="4384080"/>
+            <a:ext cx="4426920" cy="4383720"/>
           </a:xfrm>
           <a:prstGeom prst="rect">
             <a:avLst/>
@@ -2833,7 +2833,7 @@
         <p:spPr>
           <a:xfrm>
             <a:off x="504000" y="301320"/>
-            <a:ext cx="9071280" cy="1261800"/>
+            <a:ext cx="9070920" cy="1261440"/>
           </a:xfrm>
           <a:prstGeom prst="rect">
             <a:avLst/>
@@ -2942,7 +2942,7 @@
         <p:spPr>
           <a:xfrm>
             <a:off x="504000" y="4058640"/>
-            <a:ext cx="9072000" cy="2090880"/>
+            <a:ext cx="9071640" cy="2090880"/>
           </a:xfrm>
           <a:prstGeom prst="rect">
             <a:avLst/>
@@ -3000,7 +3000,7 @@
         <p:spPr>
           <a:xfrm>
             <a:off x="504000" y="301320"/>
-            <a:ext cx="9071280" cy="1261800"/>
+            <a:ext cx="9070920" cy="1261440"/>
           </a:xfrm>
           <a:prstGeom prst="rect">
             <a:avLst/>
@@ -3037,7 +3037,7 @@
         <p:spPr>
           <a:xfrm>
             <a:off x="504000" y="1768680"/>
-            <a:ext cx="9072000" cy="4384080"/>
+            <a:ext cx="9071640" cy="4383720"/>
           </a:xfrm>
           <a:prstGeom prst="rect">
             <a:avLst/>
@@ -3055,7 +3055,7 @@
               <a:buChar char=""/>
             </a:pPr>
             <a:r>
-              <a:rPr lang="en-US" sz="3200" spc="-1" strike="noStrike">
+              <a:rPr lang="en-US" sz="1800" spc="-1" strike="noStrike">
                 <a:solidFill>
                   <a:srgbClr val="000000"/>
                 </a:solidFill>
@@ -3068,7 +3068,7 @@
               </a:rPr>
               <a:t>Click to edit the outline text format</a:t>
             </a:r>
-            <a:endParaRPr lang="en-US" sz="3200" spc="-1" strike="noStrike">
+            <a:endParaRPr lang="en-US" sz="1800" spc="-1" strike="noStrike">
               <a:solidFill>
                 <a:srgbClr val="000000"/>
               </a:solidFill>
@@ -3090,7 +3090,7 @@
               <a:buChar char=""/>
             </a:pPr>
             <a:r>
-              <a:rPr lang="en-US" sz="2800" spc="-1" strike="noStrike">
+              <a:rPr lang="en-US" sz="1800" spc="-1" strike="noStrike">
                 <a:solidFill>
                   <a:srgbClr val="000000"/>
                 </a:solidFill>
@@ -3103,7 +3103,7 @@
               </a:rPr>
               <a:t>Second Outline Level</a:t>
             </a:r>
-            <a:endParaRPr lang="en-US" sz="2800" spc="-1" strike="noStrike">
+            <a:endParaRPr lang="en-US" sz="1800" spc="-1" strike="noStrike">
               <a:solidFill>
                 <a:srgbClr val="000000"/>
               </a:solidFill>
@@ -3125,7 +3125,7 @@
               <a:buChar char=""/>
             </a:pPr>
             <a:r>
-              <a:rPr lang="en-US" sz="2400" spc="-1" strike="noStrike">
+              <a:rPr lang="en-US" sz="1800" spc="-1" strike="noStrike">
                 <a:solidFill>
                   <a:srgbClr val="000000"/>
                 </a:solidFill>
@@ -3138,7 +3138,7 @@
               </a:rPr>
               <a:t>Third Outline Level</a:t>
             </a:r>
-            <a:endParaRPr lang="en-US" sz="2400" spc="-1" strike="noStrike">
+            <a:endParaRPr lang="en-US" sz="1800" spc="-1" strike="noStrike">
               <a:solidFill>
                 <a:srgbClr val="000000"/>
               </a:solidFill>
@@ -3160,7 +3160,7 @@
               <a:buChar char=""/>
             </a:pPr>
             <a:r>
-              <a:rPr lang="en-US" sz="2000" spc="-1" strike="noStrike">
+              <a:rPr lang="en-US" sz="1800" spc="-1" strike="noStrike">
                 <a:solidFill>
                   <a:srgbClr val="000000"/>
                 </a:solidFill>
@@ -3173,7 +3173,7 @@
               </a:rPr>
               <a:t>Fourth Outline Level</a:t>
             </a:r>
-            <a:endParaRPr lang="en-US" sz="2000" spc="-1" strike="noStrike">
+            <a:endParaRPr lang="en-US" sz="1800" spc="-1" strike="noStrike">
               <a:solidFill>
                 <a:srgbClr val="000000"/>
               </a:solidFill>
@@ -3195,7 +3195,7 @@
               <a:buChar char=""/>
             </a:pPr>
             <a:r>
-              <a:rPr lang="en-US" sz="2000" spc="-1" strike="noStrike">
+              <a:rPr lang="en-US" sz="1800" spc="-1" strike="noStrike">
                 <a:solidFill>
                   <a:srgbClr val="000000"/>
                 </a:solidFill>
@@ -3208,7 +3208,7 @@
               </a:rPr>
               <a:t>Fifth Outline Level</a:t>
             </a:r>
-            <a:endParaRPr lang="en-US" sz="2000" spc="-1" strike="noStrike">
+            <a:endParaRPr lang="en-US" sz="1800" spc="-1" strike="noStrike">
               <a:solidFill>
                 <a:srgbClr val="000000"/>
               </a:solidFill>
@@ -3230,7 +3230,7 @@
               <a:buChar char=""/>
             </a:pPr>
             <a:r>
-              <a:rPr lang="en-US" sz="2000" spc="-1" strike="noStrike">
+              <a:rPr lang="en-US" sz="1800" spc="-1" strike="noStrike">
                 <a:solidFill>
                   <a:srgbClr val="000000"/>
                 </a:solidFill>
@@ -3243,7 +3243,7 @@
               </a:rPr>
               <a:t>Sixth Outline Level</a:t>
             </a:r>
-            <a:endParaRPr lang="en-US" sz="2000" spc="-1" strike="noStrike">
+            <a:endParaRPr lang="en-US" sz="1800" spc="-1" strike="noStrike">
               <a:solidFill>
                 <a:srgbClr val="000000"/>
               </a:solidFill>
@@ -3265,7 +3265,7 @@
               <a:buChar char=""/>
             </a:pPr>
             <a:r>
-              <a:rPr lang="en-US" sz="2000" spc="-1" strike="noStrike">
+              <a:rPr lang="en-US" sz="1800" spc="-1" strike="noStrike">
                 <a:solidFill>
                   <a:srgbClr val="000000"/>
                 </a:solidFill>
@@ -3278,7 +3278,7 @@
               </a:rPr>
               <a:t>Seventh Outline Level</a:t>
             </a:r>
-            <a:endParaRPr lang="en-US" sz="2000" spc="-1" strike="noStrike">
+            <a:endParaRPr lang="en-US" sz="1800" spc="-1" strike="noStrike">
               <a:solidFill>
                 <a:srgbClr val="000000"/>
               </a:solidFill>
@@ -3342,7 +3342,7 @@
         <p:spPr>
           <a:xfrm>
             <a:off x="504000" y="301320"/>
-            <a:ext cx="9071280" cy="1261800"/>
+            <a:ext cx="9072000" cy="1261800"/>
           </a:xfrm>
           <a:prstGeom prst="rect">
             <a:avLst/>
@@ -3352,6 +3352,20 @@
           <a:bodyPr lIns="0" rIns="0" tIns="0" bIns="0" anchor="ctr"/>
           <a:p>
             <a:pPr algn="ctr"/>
+            <a:r>
+              <a:rPr lang="en-US" sz="4400" spc="-1" strike="noStrike">
+                <a:solidFill>
+                  <a:srgbClr val="000000"/>
+                </a:solidFill>
+                <a:uFill>
+                  <a:solidFill>
+                    <a:srgbClr val="ffffff"/>
+                  </a:solidFill>
+                </a:uFill>
+                <a:latin typeface="Arial"/>
+              </a:rPr>
+              <a:t>Click to edit the title text format</a:t>
+            </a:r>
             <a:endParaRPr lang="en-US" sz="4400" spc="-1" strike="noStrike">
               <a:solidFill>
                 <a:srgbClr val="000000"/>
@@ -3378,8 +3392,8 @@
         </p:nvSpPr>
         <p:spPr>
           <a:xfrm>
-            <a:off x="504000" y="1769040"/>
-            <a:ext cx="9071280" cy="4384080"/>
+            <a:off x="504000" y="1768680"/>
+            <a:ext cx="9072000" cy="4384080"/>
           </a:xfrm>
           <a:prstGeom prst="rect">
             <a:avLst/>
@@ -3397,7 +3411,7 @@
               <a:buChar char=""/>
             </a:pPr>
             <a:r>
-              <a:rPr lang="en-US" sz="1800" spc="-1" strike="noStrike">
+              <a:rPr lang="en-US" sz="3200" spc="-1" strike="noStrike">
                 <a:solidFill>
                   <a:srgbClr val="000000"/>
                 </a:solidFill>
@@ -3410,7 +3424,7 @@
               </a:rPr>
               <a:t>Click to edit the outline text format</a:t>
             </a:r>
-            <a:endParaRPr lang="en-US" sz="1800" spc="-1" strike="noStrike">
+            <a:endParaRPr lang="en-US" sz="3200" spc="-1" strike="noStrike">
               <a:solidFill>
                 <a:srgbClr val="000000"/>
               </a:solidFill>
@@ -3432,7 +3446,7 @@
               <a:buChar char=""/>
             </a:pPr>
             <a:r>
-              <a:rPr lang="en-US" sz="1800" spc="-1" strike="noStrike">
+              <a:rPr lang="en-US" sz="2800" spc="-1" strike="noStrike">
                 <a:solidFill>
                   <a:srgbClr val="000000"/>
                 </a:solidFill>
@@ -3445,7 +3459,7 @@
               </a:rPr>
               <a:t>Second Outline Level</a:t>
             </a:r>
-            <a:endParaRPr lang="en-US" sz="1800" spc="-1" strike="noStrike">
+            <a:endParaRPr lang="en-US" sz="2800" spc="-1" strike="noStrike">
               <a:solidFill>
                 <a:srgbClr val="000000"/>
               </a:solidFill>
@@ -3467,7 +3481,7 @@
               <a:buChar char=""/>
             </a:pPr>
             <a:r>
-              <a:rPr lang="en-US" sz="1800" spc="-1" strike="noStrike">
+              <a:rPr lang="en-US" sz="2400" spc="-1" strike="noStrike">
                 <a:solidFill>
                   <a:srgbClr val="000000"/>
                 </a:solidFill>
@@ -3480,7 +3494,7 @@
               </a:rPr>
               <a:t>Third Outline Level</a:t>
             </a:r>
-            <a:endParaRPr lang="en-US" sz="1800" spc="-1" strike="noStrike">
+            <a:endParaRPr lang="en-US" sz="2400" spc="-1" strike="noStrike">
               <a:solidFill>
                 <a:srgbClr val="000000"/>
               </a:solidFill>
@@ -3502,7 +3516,7 @@
               <a:buChar char=""/>
             </a:pPr>
             <a:r>
-              <a:rPr lang="en-US" sz="1800" spc="-1" strike="noStrike">
+              <a:rPr lang="en-US" sz="2000" spc="-1" strike="noStrike">
                 <a:solidFill>
                   <a:srgbClr val="000000"/>
                 </a:solidFill>
@@ -3515,7 +3529,7 @@
               </a:rPr>
               <a:t>Fourth Outline Level</a:t>
             </a:r>
-            <a:endParaRPr lang="en-US" sz="1800" spc="-1" strike="noStrike">
+            <a:endParaRPr lang="en-US" sz="2000" spc="-1" strike="noStrike">
               <a:solidFill>
                 <a:srgbClr val="000000"/>
               </a:solidFill>
@@ -3537,7 +3551,7 @@
               <a:buChar char=""/>
             </a:pPr>
             <a:r>
-              <a:rPr lang="en-US" sz="1800" spc="-1" strike="noStrike">
+              <a:rPr lang="en-US" sz="2000" spc="-1" strike="noStrike">
                 <a:solidFill>
                   <a:srgbClr val="000000"/>
                 </a:solidFill>
@@ -3550,7 +3564,7 @@
               </a:rPr>
               <a:t>Fifth Outline Level</a:t>
             </a:r>
-            <a:endParaRPr lang="en-US" sz="1800" spc="-1" strike="noStrike">
+            <a:endParaRPr lang="en-US" sz="2000" spc="-1" strike="noStrike">
               <a:solidFill>
                 <a:srgbClr val="000000"/>
               </a:solidFill>
@@ -3572,7 +3586,7 @@
               <a:buChar char=""/>
             </a:pPr>
             <a:r>
-              <a:rPr lang="en-US" sz="1800" spc="-1" strike="noStrike">
+              <a:rPr lang="en-US" sz="2000" spc="-1" strike="noStrike">
                 <a:solidFill>
                   <a:srgbClr val="000000"/>
                 </a:solidFill>
@@ -3585,7 +3599,7 @@
               </a:rPr>
               <a:t>Sixth Outline Level</a:t>
             </a:r>
-            <a:endParaRPr lang="en-US" sz="1800" spc="-1" strike="noStrike">
+            <a:endParaRPr lang="en-US" sz="2000" spc="-1" strike="noStrike">
               <a:solidFill>
                 <a:srgbClr val="000000"/>
               </a:solidFill>
@@ -3607,7 +3621,7 @@
               <a:buChar char=""/>
             </a:pPr>
             <a:r>
-              <a:rPr lang="en-US" sz="1800" spc="-1" strike="noStrike">
+              <a:rPr lang="en-US" sz="2000" spc="-1" strike="noStrike">
                 <a:solidFill>
                   <a:srgbClr val="000000"/>
                 </a:solidFill>
@@ -3620,7 +3634,7 @@
               </a:rPr>
               <a:t>Seventh Outline Level</a:t>
             </a:r>
-            <a:endParaRPr lang="en-US" sz="1800" spc="-1" strike="noStrike">
+            <a:endParaRPr lang="en-US" sz="2000" spc="-1" strike="noStrike">
               <a:solidFill>
                 <a:srgbClr val="000000"/>
               </a:solidFill>
@@ -3680,7 +3694,7 @@
         <p:spPr>
           <a:xfrm>
             <a:off x="504000" y="301320"/>
-            <a:ext cx="9071280" cy="1261800"/>
+            <a:ext cx="9070920" cy="1261440"/>
           </a:xfrm>
           <a:prstGeom prst="rect">
             <a:avLst/>
@@ -3699,6 +3713,34 @@
         <p:txBody>
           <a:bodyPr lIns="0" rIns="0" tIns="0" bIns="0" anchor="ctr"/>
           <a:p>
+            <a:r>
+              <a:rPr lang="en-US" sz="4400" spc="-1" strike="noStrike">
+                <a:solidFill>
+                  <a:srgbClr val="000000"/>
+                </a:solidFill>
+                <a:uFill>
+                  <a:solidFill>
+                    <a:srgbClr val="ffffff"/>
+                  </a:solidFill>
+                </a:uFill>
+                <a:latin typeface="Arial"/>
+                <a:ea typeface="DejaVu Sans"/>
+              </a:rPr>
+              <a:t>Hypothesis testing and p-values:</a:t>
+            </a:r>
+            <a:endParaRPr lang="en-US" sz="1800" spc="-1" strike="noStrike">
+              <a:solidFill>
+                <a:srgbClr val="000000"/>
+              </a:solidFill>
+              <a:uFill>
+                <a:solidFill>
+                  <a:srgbClr val="ffffff"/>
+                </a:solidFill>
+              </a:uFill>
+              <a:latin typeface="Arial"/>
+            </a:endParaRPr>
+          </a:p>
+          <a:p>
             <a:pPr algn="ctr">
               <a:lnSpc>
                 <a:spcPct val="100000"/>
@@ -3715,35 +3757,7 @@
                   </a:solidFill>
                 </a:uFill>
                 <a:latin typeface="Arial"/>
-              </a:rPr>
-              <a:t>Hypothesis testing and p-values:</a:t>
-            </a:r>
-            <a:r>
-              <a:rPr lang="en-US" sz="4400" spc="-1" strike="noStrike">
-                <a:solidFill>
-                  <a:srgbClr val="000000"/>
-                </a:solidFill>
-                <a:uFill>
-                  <a:solidFill>
-                    <a:srgbClr val="ffffff"/>
-                  </a:solidFill>
-                </a:uFill>
-                <a:latin typeface="Arial"/>
-              </a:rPr>
-              <a:t>
-</a:t>
-            </a:r>
-            <a:r>
-              <a:rPr lang="en-US" sz="4400" spc="-1" strike="noStrike">
-                <a:solidFill>
-                  <a:srgbClr val="000000"/>
-                </a:solidFill>
-                <a:uFill>
-                  <a:solidFill>
-                    <a:srgbClr val="ffffff"/>
-                  </a:solidFill>
-                </a:uFill>
-                <a:latin typeface="Arial"/>
+                <a:ea typeface="DejaVu Sans"/>
               </a:rPr>
               <a:t>Playing Cards Example</a:t>
             </a:r>
@@ -3770,7 +3784,7 @@
         <p:spPr>
           <a:xfrm>
             <a:off x="504000" y="1769040"/>
-            <a:ext cx="9071280" cy="4384080"/>
+            <a:ext cx="9070920" cy="4383720"/>
           </a:xfrm>
           <a:prstGeom prst="rect">
             <a:avLst/>
@@ -3789,14 +3803,14 @@
       </p:sp>
       <p:sp>
         <p:nvSpPr>
-          <p:cNvPr id="74" name="TextShape 3"/>
-          <p:cNvSpPr txBox="1"/>
+          <p:cNvPr id="74" name="CustomShape 3"/>
+          <p:cNvSpPr/>
           <p:nvPr/>
         </p:nvSpPr>
         <p:spPr>
           <a:xfrm>
             <a:off x="548640" y="2011680"/>
-            <a:ext cx="9144000" cy="4697640"/>
+            <a:ext cx="9143640" cy="4697280"/>
           </a:xfrm>
           <a:prstGeom prst="rect">
             <a:avLst/>
@@ -3806,10 +3820,19 @@
             <a:noFill/>
           </a:ln>
         </p:spPr>
+        <p:style>
+          <a:lnRef idx="0"/>
+          <a:fillRef idx="0"/>
+          <a:effectRef idx="0"/>
+          <a:fontRef idx="minor"/>
+        </p:style>
         <p:txBody>
           <a:bodyPr lIns="90000" rIns="90000" tIns="45000" bIns="45000"/>
           <a:p>
-            <a:pPr marL="216000" indent="-216000">
+            <a:pPr marL="216000" indent="-215640">
+              <a:lnSpc>
+                <a:spcPct val="100000"/>
+              </a:lnSpc>
               <a:buClr>
                 <a:srgbClr val="000000"/>
               </a:buClr>
@@ -3844,7 +3867,10 @@
             </a:endParaRPr>
           </a:p>
           <a:p>
-            <a:pPr marL="216000" indent="-216000">
+            <a:pPr marL="216000" indent="-215640">
+              <a:lnSpc>
+                <a:spcPct val="100000"/>
+              </a:lnSpc>
               <a:buClr>
                 <a:srgbClr val="000000"/>
               </a:buClr>
@@ -3879,7 +3905,10 @@
             </a:endParaRPr>
           </a:p>
           <a:p>
-            <a:pPr marL="216000" indent="-216000">
+            <a:pPr marL="216000" indent="-215640">
+              <a:lnSpc>
+                <a:spcPct val="100000"/>
+              </a:lnSpc>
               <a:buClr>
                 <a:srgbClr val="000000"/>
               </a:buClr>
@@ -3914,7 +3943,10 @@
             </a:endParaRPr>
           </a:p>
           <a:p>
-            <a:pPr lvl="1" marL="432000" indent="-216000">
+            <a:pPr lvl="1" marL="432000" indent="-215640">
+              <a:lnSpc>
+                <a:spcPct val="100000"/>
+              </a:lnSpc>
               <a:buClr>
                 <a:srgbClr val="000000"/>
               </a:buClr>
@@ -4005,7 +4037,10 @@
             </a:endParaRPr>
           </a:p>
           <a:p>
-            <a:pPr lvl="1" marL="432000" indent="-216000">
+            <a:pPr lvl="1" marL="432000" indent="-215640">
+              <a:lnSpc>
+                <a:spcPct val="100000"/>
+              </a:lnSpc>
               <a:buClr>
                 <a:srgbClr val="000000"/>
               </a:buClr>
@@ -4040,7 +4075,10 @@
             </a:endParaRPr>
           </a:p>
           <a:p>
-            <a:pPr lvl="1" marL="432000" indent="-216000">
+            <a:pPr lvl="1" marL="432000" indent="-215640">
+              <a:lnSpc>
+                <a:spcPct val="100000"/>
+              </a:lnSpc>
               <a:buClr>
                 <a:srgbClr val="000000"/>
               </a:buClr>
@@ -4075,7 +4113,10 @@
             </a:endParaRPr>
           </a:p>
           <a:p>
-            <a:pPr lvl="2" marL="648000" indent="-216000">
+            <a:pPr lvl="2" marL="648000" indent="-215640">
+              <a:lnSpc>
+                <a:spcPct val="100000"/>
+              </a:lnSpc>
               <a:buClr>
                 <a:srgbClr val="000000"/>
               </a:buClr>
@@ -4110,7 +4151,10 @@
             </a:endParaRPr>
           </a:p>
           <a:p>
-            <a:pPr lvl="2" marL="648000" indent="-216000">
+            <a:pPr lvl="2" marL="648000" indent="-215640">
+              <a:lnSpc>
+                <a:spcPct val="100000"/>
+              </a:lnSpc>
               <a:buClr>
                 <a:srgbClr val="000000"/>
               </a:buClr>
@@ -4145,7 +4189,10 @@
             </a:endParaRPr>
           </a:p>
           <a:p>
-            <a:pPr lvl="2" marL="648000" indent="-216000">
+            <a:pPr lvl="2" marL="648000" indent="-215640">
+              <a:lnSpc>
+                <a:spcPct val="100000"/>
+              </a:lnSpc>
               <a:buClr>
                 <a:srgbClr val="000000"/>
               </a:buClr>
@@ -4180,7 +4227,10 @@
             </a:endParaRPr>
           </a:p>
           <a:p>
-            <a:pPr marL="216000" indent="-216000">
+            <a:pPr marL="216000" indent="-215640">
+              <a:lnSpc>
+                <a:spcPct val="100000"/>
+              </a:lnSpc>
               <a:buClr>
                 <a:srgbClr val="000000"/>
               </a:buClr>
@@ -4215,7 +4265,10 @@
             </a:endParaRPr>
           </a:p>
           <a:p>
-            <a:pPr marL="216000" indent="-216000">
+            <a:pPr marL="216000" indent="-215640">
+              <a:lnSpc>
+                <a:spcPct val="100000"/>
+              </a:lnSpc>
               <a:buClr>
                 <a:srgbClr val="000000"/>
               </a:buClr>
@@ -4250,7 +4303,10 @@
             </a:endParaRPr>
           </a:p>
           <a:p>
-            <a:pPr marL="216000" indent="-216000">
+            <a:pPr marL="216000" indent="-215640">
+              <a:lnSpc>
+                <a:spcPct val="100000"/>
+              </a:lnSpc>
               <a:buClr>
                 <a:srgbClr val="000000"/>
               </a:buClr>
@@ -4285,7 +4341,10 @@
             </a:endParaRPr>
           </a:p>
           <a:p>
-            <a:pPr lvl="2" marL="648000" indent="-216000">
+            <a:pPr lvl="2" marL="648000" indent="-215640">
+              <a:lnSpc>
+                <a:spcPct val="100000"/>
+              </a:lnSpc>
               <a:buClr>
                 <a:srgbClr val="000000"/>
               </a:buClr>
@@ -4320,7 +4379,10 @@
             </a:endParaRPr>
           </a:p>
           <a:p>
-            <a:pPr lvl="1" marL="432000" indent="-216000">
+            <a:pPr lvl="1" marL="432000" indent="-215640">
+              <a:lnSpc>
+                <a:spcPct val="100000"/>
+              </a:lnSpc>
               <a:buClr>
                 <a:srgbClr val="000000"/>
               </a:buClr>
@@ -4368,8 +4430,8 @@
         </p:blipFill>
         <p:spPr>
           <a:xfrm>
-            <a:off x="3474720" y="5669280"/>
-            <a:ext cx="2971440" cy="637920"/>
+            <a:off x="3521160" y="6403320"/>
+            <a:ext cx="2971080" cy="637560"/>
           </a:xfrm>
           <a:prstGeom prst="rect">
             <a:avLst/>
@@ -4430,14 +4492,14 @@
       </p:grpSpPr>
       <p:sp>
         <p:nvSpPr>
-          <p:cNvPr id="101" name="TextShape 1"/>
-          <p:cNvSpPr txBox="1"/>
+          <p:cNvPr id="101" name="CustomShape 1"/>
+          <p:cNvSpPr/>
           <p:nvPr/>
         </p:nvSpPr>
         <p:spPr>
           <a:xfrm>
             <a:off x="504000" y="301320"/>
-            <a:ext cx="9071280" cy="1261800"/>
+            <a:ext cx="9070920" cy="1261440"/>
           </a:xfrm>
           <a:prstGeom prst="rect">
             <a:avLst/>
@@ -4447,10 +4509,20 @@
             <a:noFill/>
           </a:ln>
         </p:spPr>
+        <p:style>
+          <a:lnRef idx="0"/>
+          <a:fillRef idx="0"/>
+          <a:effectRef idx="0"/>
+          <a:fontRef idx="minor"/>
+        </p:style>
         <p:txBody>
           <a:bodyPr lIns="0" rIns="0" tIns="0" bIns="0" anchor="ctr"/>
           <a:p>
-            <a:pPr algn="ctr"/>
+            <a:pPr algn="ctr">
+              <a:lnSpc>
+                <a:spcPct val="100000"/>
+              </a:lnSpc>
+            </a:pPr>
             <a:r>
               <a:rPr lang="en-US" sz="4400" spc="-1" strike="noStrike">
                 <a:solidFill>
@@ -4465,30 +4537,30 @@
               </a:rPr>
               <a:t>Two Sample T-test (Welch's T-test)</a:t>
             </a:r>
-            <a:endParaRPr lang="en-US" sz="4400" spc="-1" strike="noStrike">
-              <a:solidFill>
-                <a:srgbClr val="000000"/>
-              </a:solidFill>
-              <a:uFill>
-                <a:solidFill>
-                  <a:srgbClr val="ffffff"/>
-                </a:solidFill>
-              </a:uFill>
-              <a:latin typeface="Arial"/>
-            </a:endParaRPr>
-          </a:p>
-        </p:txBody>
-      </p:sp>
-      <p:sp>
-        <p:nvSpPr>
-          <p:cNvPr id="102" name="TextShape 2"/>
-          <p:cNvSpPr txBox="1"/>
+            <a:endParaRPr lang="en-US" sz="1800" spc="-1" strike="noStrike">
+              <a:solidFill>
+                <a:srgbClr val="000000"/>
+              </a:solidFill>
+              <a:uFill>
+                <a:solidFill>
+                  <a:srgbClr val="ffffff"/>
+                </a:solidFill>
+              </a:uFill>
+              <a:latin typeface="Arial"/>
+            </a:endParaRPr>
+          </a:p>
+        </p:txBody>
+      </p:sp>
+      <p:sp>
+        <p:nvSpPr>
+          <p:cNvPr id="102" name="CustomShape 2"/>
+          <p:cNvSpPr/>
           <p:nvPr/>
         </p:nvSpPr>
         <p:spPr>
           <a:xfrm>
             <a:off x="731520" y="1645920"/>
-            <a:ext cx="9052560" cy="602280"/>
+            <a:ext cx="9052200" cy="601920"/>
           </a:xfrm>
           <a:prstGeom prst="rect">
             <a:avLst/>
@@ -4498,10 +4570,19 @@
             <a:noFill/>
           </a:ln>
         </p:spPr>
+        <p:style>
+          <a:lnRef idx="0"/>
+          <a:fillRef idx="0"/>
+          <a:effectRef idx="0"/>
+          <a:fontRef idx="minor"/>
+        </p:style>
         <p:txBody>
           <a:bodyPr lIns="90000" rIns="90000" tIns="45000" bIns="45000"/>
           <a:p>
-            <a:pPr marL="216000" indent="-216000">
+            <a:pPr marL="216000" indent="-215640">
+              <a:lnSpc>
+                <a:spcPct val="100000"/>
+              </a:lnSpc>
               <a:buClr>
                 <a:srgbClr val="000000"/>
               </a:buClr>
@@ -4539,14 +4620,14 @@
       </p:sp>
       <p:sp>
         <p:nvSpPr>
-          <p:cNvPr id="103" name="TextShape 3"/>
-          <p:cNvSpPr txBox="1"/>
+          <p:cNvPr id="103" name="CustomShape 3"/>
+          <p:cNvSpPr/>
           <p:nvPr/>
         </p:nvSpPr>
         <p:spPr>
           <a:xfrm>
             <a:off x="548640" y="4653720"/>
-            <a:ext cx="8961120" cy="2138040"/>
+            <a:ext cx="8960760" cy="2137680"/>
           </a:xfrm>
           <a:prstGeom prst="rect">
             <a:avLst/>
@@ -4556,6 +4637,12 @@
             <a:noFill/>
           </a:ln>
         </p:spPr>
+        <p:style>
+          <a:lnRef idx="0"/>
+          <a:fillRef idx="0"/>
+          <a:effectRef idx="0"/>
+          <a:fontRef idx="minor"/>
+        </p:style>
         <p:txBody>
           <a:bodyPr lIns="90000" rIns="90000" tIns="45000" bIns="45000"/>
           <a:p>
@@ -4761,7 +4848,7 @@
         <p:spPr>
           <a:xfrm>
             <a:off x="3657600" y="2082600"/>
-            <a:ext cx="3600000" cy="2580840"/>
+            <a:ext cx="3599640" cy="2580480"/>
           </a:xfrm>
           <a:prstGeom prst="rect">
             <a:avLst/>
@@ -4773,14 +4860,14 @@
       </p:pic>
       <p:sp>
         <p:nvSpPr>
-          <p:cNvPr id="105" name="TextShape 4"/>
-          <p:cNvSpPr txBox="1"/>
+          <p:cNvPr id="105" name="CustomShape 4"/>
+          <p:cNvSpPr/>
           <p:nvPr/>
         </p:nvSpPr>
         <p:spPr>
           <a:xfrm>
             <a:off x="3200400" y="3219840"/>
-            <a:ext cx="640080" cy="346320"/>
+            <a:ext cx="639720" cy="345960"/>
           </a:xfrm>
           <a:prstGeom prst="rect">
             <a:avLst/>
@@ -4790,6 +4877,12 @@
             <a:noFill/>
           </a:ln>
         </p:spPr>
+        <p:style>
+          <a:lnRef idx="0"/>
+          <a:fillRef idx="0"/>
+          <a:effectRef idx="0"/>
+          <a:fontRef idx="minor"/>
+        </p:style>
         <p:txBody>
           <a:bodyPr lIns="90000" rIns="90000" tIns="45000" bIns="45000"/>
           <a:p>
@@ -4879,7 +4972,7 @@
         <p:spPr>
           <a:xfrm>
             <a:off x="504000" y="301320"/>
-            <a:ext cx="9071280" cy="1261800"/>
+            <a:ext cx="9070920" cy="1261440"/>
           </a:xfrm>
           <a:prstGeom prst="rect">
             <a:avLst/>
@@ -4905,7 +4998,7 @@
         <p:spPr>
           <a:xfrm>
             <a:off x="504360" y="301320"/>
-            <a:ext cx="9371160" cy="857880"/>
+            <a:ext cx="9370800" cy="857520"/>
           </a:xfrm>
           <a:prstGeom prst="rect">
             <a:avLst/>
@@ -4924,7 +5017,11 @@
         <p:txBody>
           <a:bodyPr lIns="90000" rIns="90000" tIns="45000" bIns="45000"/>
           <a:p>
-            <a:pPr algn="ctr"/>
+            <a:pPr algn="ctr">
+              <a:lnSpc>
+                <a:spcPct val="100000"/>
+              </a:lnSpc>
+            </a:pPr>
             <a:r>
               <a:rPr lang="en-US" sz="3600" spc="-1" strike="noStrike">
                 <a:solidFill>
@@ -4936,10 +5033,11 @@
                   </a:solidFill>
                 </a:uFill>
                 <a:latin typeface="Arial"/>
+                <a:ea typeface="DejaVu Sans"/>
               </a:rPr>
               <a:t>Standard Normal Distribution </a:t>
             </a:r>
-            <a:endParaRPr lang="en-US" sz="3600" spc="-1" strike="noStrike">
+            <a:endParaRPr lang="en-US" sz="1800" spc="-1" strike="noStrike">
               <a:solidFill>
                 <a:srgbClr val="000000"/>
               </a:solidFill>
@@ -4966,7 +5064,7 @@
         <p:spPr>
           <a:xfrm>
             <a:off x="0" y="1463040"/>
-            <a:ext cx="10080720" cy="5133960"/>
+            <a:ext cx="10080360" cy="5133600"/>
           </a:xfrm>
           <a:prstGeom prst="rect">
             <a:avLst/>
@@ -5034,7 +5132,7 @@
         <p:spPr>
           <a:xfrm>
             <a:off x="504360" y="301320"/>
-            <a:ext cx="9371160" cy="857880"/>
+            <a:ext cx="9370800" cy="857520"/>
           </a:xfrm>
           <a:prstGeom prst="rect">
             <a:avLst/>
@@ -5053,7 +5151,11 @@
         <p:txBody>
           <a:bodyPr lIns="90000" rIns="90000" tIns="45000" bIns="45000"/>
           <a:p>
-            <a:pPr algn="ctr"/>
+            <a:pPr algn="ctr">
+              <a:lnSpc>
+                <a:spcPct val="100000"/>
+              </a:lnSpc>
+            </a:pPr>
             <a:r>
               <a:rPr lang="en-US" sz="3600" spc="-1" strike="noStrike">
                 <a:solidFill>
@@ -5065,33 +5167,34 @@
                   </a:solidFill>
                 </a:uFill>
                 <a:latin typeface="Arial"/>
+                <a:ea typeface="DejaVu Sans"/>
               </a:rPr>
               <a:t>One Sample T-test </a:t>
             </a:r>
-            <a:endParaRPr lang="en-US" sz="3600" spc="-1" strike="noStrike">
-              <a:solidFill>
-                <a:srgbClr val="000000"/>
-              </a:solidFill>
-              <a:uFill>
-                <a:solidFill>
-                  <a:srgbClr val="ffffff"/>
-                </a:solidFill>
-              </a:uFill>
-              <a:latin typeface="Arial"/>
-            </a:endParaRPr>
-          </a:p>
-        </p:txBody>
-      </p:sp>
-      <p:sp>
-        <p:nvSpPr>
-          <p:cNvPr id="80" name="TextShape 2"/>
-          <p:cNvSpPr txBox="1"/>
+            <a:endParaRPr lang="en-US" sz="1800" spc="-1" strike="noStrike">
+              <a:solidFill>
+                <a:srgbClr val="000000"/>
+              </a:solidFill>
+              <a:uFill>
+                <a:solidFill>
+                  <a:srgbClr val="ffffff"/>
+                </a:solidFill>
+              </a:uFill>
+              <a:latin typeface="Arial"/>
+            </a:endParaRPr>
+          </a:p>
+        </p:txBody>
+      </p:sp>
+      <p:sp>
+        <p:nvSpPr>
+          <p:cNvPr id="80" name="CustomShape 2"/>
+          <p:cNvSpPr/>
           <p:nvPr/>
         </p:nvSpPr>
         <p:spPr>
           <a:xfrm>
             <a:off x="91440" y="3365280"/>
-            <a:ext cx="9875520" cy="2605680"/>
+            <a:ext cx="9875160" cy="2605320"/>
           </a:xfrm>
           <a:prstGeom prst="rect">
             <a:avLst/>
@@ -5104,6 +5207,12 @@
             <a:round/>
           </a:ln>
         </p:spPr>
+        <p:style>
+          <a:lnRef idx="0"/>
+          <a:fillRef idx="0"/>
+          <a:effectRef idx="0"/>
+          <a:fontRef idx="minor"/>
+        </p:style>
         <p:txBody>
           <a:bodyPr lIns="99000" rIns="99000" tIns="54000" bIns="54000"/>
           <a:p>
@@ -5233,14 +5342,14 @@
       </p:sp>
       <p:sp>
         <p:nvSpPr>
-          <p:cNvPr id="81" name="TextShape 3"/>
-          <p:cNvSpPr txBox="1"/>
+          <p:cNvPr id="81" name="CustomShape 3"/>
+          <p:cNvSpPr/>
           <p:nvPr/>
         </p:nvSpPr>
         <p:spPr>
           <a:xfrm>
             <a:off x="91440" y="1188720"/>
-            <a:ext cx="9875520" cy="1892520"/>
+            <a:ext cx="9875160" cy="1892160"/>
           </a:xfrm>
           <a:prstGeom prst="rect">
             <a:avLst/>
@@ -5253,6 +5362,12 @@
             <a:round/>
           </a:ln>
         </p:spPr>
+        <p:style>
+          <a:lnRef idx="0"/>
+          <a:fillRef idx="0"/>
+          <a:effectRef idx="0"/>
+          <a:fontRef idx="minor"/>
+        </p:style>
         <p:txBody>
           <a:bodyPr lIns="99000" rIns="99000" tIns="54000" bIns="54000"/>
           <a:p>
@@ -5341,14 +5456,14 @@
       </p:sp>
       <p:sp>
         <p:nvSpPr>
-          <p:cNvPr id="82" name="TextShape 4"/>
-          <p:cNvSpPr txBox="1"/>
+          <p:cNvPr id="82" name="CustomShape 4"/>
+          <p:cNvSpPr/>
           <p:nvPr/>
         </p:nvSpPr>
         <p:spPr>
           <a:xfrm>
             <a:off x="274320" y="6309360"/>
-            <a:ext cx="9509760" cy="1114200"/>
+            <a:ext cx="9509400" cy="1113840"/>
           </a:xfrm>
           <a:prstGeom prst="rect">
             <a:avLst/>
@@ -5358,6 +5473,12 @@
             <a:noFill/>
           </a:ln>
         </p:spPr>
+        <p:style>
+          <a:lnRef idx="0"/>
+          <a:fillRef idx="0"/>
+          <a:effectRef idx="0"/>
+          <a:fontRef idx="minor"/>
+        </p:style>
         <p:txBody>
           <a:bodyPr lIns="90000" rIns="90000" tIns="45000" bIns="45000"/>
           <a:p>
@@ -5537,14 +5658,14 @@
       </p:grpSpPr>
       <p:sp>
         <p:nvSpPr>
-          <p:cNvPr id="83" name="TextShape 1"/>
-          <p:cNvSpPr txBox="1"/>
+          <p:cNvPr id="83" name="CustomShape 1"/>
+          <p:cNvSpPr/>
           <p:nvPr/>
         </p:nvSpPr>
         <p:spPr>
           <a:xfrm>
             <a:off x="504000" y="91440"/>
-            <a:ext cx="9280080" cy="1261800"/>
+            <a:ext cx="9279720" cy="1261440"/>
           </a:xfrm>
           <a:prstGeom prst="rect">
             <a:avLst/>
@@ -5554,10 +5675,20 @@
             <a:noFill/>
           </a:ln>
         </p:spPr>
+        <p:style>
+          <a:lnRef idx="0"/>
+          <a:fillRef idx="0"/>
+          <a:effectRef idx="0"/>
+          <a:fontRef idx="minor"/>
+        </p:style>
         <p:txBody>
           <a:bodyPr lIns="0" rIns="0" tIns="0" bIns="0" anchor="ctr"/>
           <a:p>
-            <a:pPr algn="ctr"/>
+            <a:pPr algn="ctr">
+              <a:lnSpc>
+                <a:spcPct val="100000"/>
+              </a:lnSpc>
+            </a:pPr>
             <a:r>
               <a:rPr lang="en-US" sz="4400" spc="-1" strike="noStrike">
                 <a:solidFill>
@@ -5572,30 +5703,30 @@
               </a:rPr>
               <a:t>One Sample T-Test </a:t>
             </a:r>
-            <a:endParaRPr lang="en-US" sz="4400" spc="-1" strike="noStrike">
-              <a:solidFill>
-                <a:srgbClr val="000000"/>
-              </a:solidFill>
-              <a:uFill>
-                <a:solidFill>
-                  <a:srgbClr val="ffffff"/>
-                </a:solidFill>
-              </a:uFill>
-              <a:latin typeface="Arial"/>
-            </a:endParaRPr>
-          </a:p>
-        </p:txBody>
-      </p:sp>
-      <p:sp>
-        <p:nvSpPr>
-          <p:cNvPr id="84" name="TextShape 2"/>
-          <p:cNvSpPr txBox="1"/>
+            <a:endParaRPr lang="en-US" sz="1800" spc="-1" strike="noStrike">
+              <a:solidFill>
+                <a:srgbClr val="000000"/>
+              </a:solidFill>
+              <a:uFill>
+                <a:solidFill>
+                  <a:srgbClr val="ffffff"/>
+                </a:solidFill>
+              </a:uFill>
+              <a:latin typeface="Arial"/>
+            </a:endParaRPr>
+          </a:p>
+        </p:txBody>
+      </p:sp>
+      <p:sp>
+        <p:nvSpPr>
+          <p:cNvPr id="84" name="CustomShape 2"/>
+          <p:cNvSpPr/>
           <p:nvPr/>
         </p:nvSpPr>
         <p:spPr>
           <a:xfrm>
             <a:off x="504000" y="1463040"/>
-            <a:ext cx="8731440" cy="3161880"/>
+            <a:ext cx="8731080" cy="3161520"/>
           </a:xfrm>
           <a:prstGeom prst="rect">
             <a:avLst/>
@@ -5605,6 +5736,12 @@
             <a:noFill/>
           </a:ln>
         </p:spPr>
+        <p:style>
+          <a:lnRef idx="0"/>
+          <a:fillRef idx="0"/>
+          <a:effectRef idx="0"/>
+          <a:fontRef idx="minor"/>
+        </p:style>
         <p:txBody>
           <a:bodyPr lIns="90000" rIns="90000" tIns="45000" bIns="45000"/>
           <a:p>
@@ -5825,21 +5962,19 @@
               </a:rPr>
               <a:t>S=0 in our case. </a:t>
             </a:r>
-            <a:r>
-              <a:rPr b="1" lang="en-US" sz="1800" spc="-1" strike="noStrike">
-                <a:solidFill>
-                  <a:srgbClr val="000000"/>
-                </a:solidFill>
-                <a:uFill>
-                  <a:solidFill>
-                    <a:srgbClr val="ffffff"/>
-                  </a:solidFill>
-                </a:uFill>
-                <a:latin typeface="Arial"/>
-              </a:rPr>
-              <a:t>
-</a:t>
-            </a:r>
+            <a:endParaRPr lang="en-US" sz="1800" spc="-1" strike="noStrike">
+              <a:solidFill>
+                <a:srgbClr val="000000"/>
+              </a:solidFill>
+              <a:uFill>
+                <a:solidFill>
+                  <a:srgbClr val="ffffff"/>
+                </a:solidFill>
+              </a:uFill>
+              <a:latin typeface="Arial"/>
+            </a:endParaRPr>
+          </a:p>
+          <a:p>
             <a:r>
               <a:rPr b="1" lang="en-US" sz="1800" spc="-1" strike="noStrike">
                 <a:solidFill>
@@ -5907,7 +6042,7 @@
         <p:spPr>
           <a:xfrm>
             <a:off x="731520" y="3759480"/>
-            <a:ext cx="5192640" cy="3464280"/>
+            <a:ext cx="5192280" cy="3463920"/>
           </a:xfrm>
           <a:prstGeom prst="rect">
             <a:avLst/>
@@ -5968,14 +6103,14 @@
       </p:grpSpPr>
       <p:sp>
         <p:nvSpPr>
-          <p:cNvPr id="86" name="TextShape 1"/>
-          <p:cNvSpPr txBox="1"/>
+          <p:cNvPr id="86" name="CustomShape 1"/>
+          <p:cNvSpPr/>
           <p:nvPr/>
         </p:nvSpPr>
         <p:spPr>
           <a:xfrm>
             <a:off x="504000" y="91440"/>
-            <a:ext cx="9280080" cy="1261800"/>
+            <a:ext cx="9279720" cy="1261440"/>
           </a:xfrm>
           <a:prstGeom prst="rect">
             <a:avLst/>
@@ -5985,10 +6120,20 @@
             <a:noFill/>
           </a:ln>
         </p:spPr>
+        <p:style>
+          <a:lnRef idx="0"/>
+          <a:fillRef idx="0"/>
+          <a:effectRef idx="0"/>
+          <a:fontRef idx="minor"/>
+        </p:style>
         <p:txBody>
           <a:bodyPr lIns="0" rIns="0" tIns="0" bIns="0" anchor="ctr"/>
           <a:p>
-            <a:pPr algn="ctr"/>
+            <a:pPr algn="ctr">
+              <a:lnSpc>
+                <a:spcPct val="100000"/>
+              </a:lnSpc>
+            </a:pPr>
             <a:r>
               <a:rPr lang="en-US" sz="4400" spc="-1" strike="noStrike">
                 <a:solidFill>
@@ -6003,30 +6148,30 @@
               </a:rPr>
               <a:t>One Sample T-Test </a:t>
             </a:r>
-            <a:endParaRPr lang="en-US" sz="4400" spc="-1" strike="noStrike">
-              <a:solidFill>
-                <a:srgbClr val="000000"/>
-              </a:solidFill>
-              <a:uFill>
-                <a:solidFill>
-                  <a:srgbClr val="ffffff"/>
-                </a:solidFill>
-              </a:uFill>
-              <a:latin typeface="Arial"/>
-            </a:endParaRPr>
-          </a:p>
-        </p:txBody>
-      </p:sp>
-      <p:sp>
-        <p:nvSpPr>
-          <p:cNvPr id="87" name="TextShape 2"/>
-          <p:cNvSpPr txBox="1"/>
+            <a:endParaRPr lang="en-US" sz="1800" spc="-1" strike="noStrike">
+              <a:solidFill>
+                <a:srgbClr val="000000"/>
+              </a:solidFill>
+              <a:uFill>
+                <a:solidFill>
+                  <a:srgbClr val="ffffff"/>
+                </a:solidFill>
+              </a:uFill>
+              <a:latin typeface="Arial"/>
+            </a:endParaRPr>
+          </a:p>
+        </p:txBody>
+      </p:sp>
+      <p:sp>
+        <p:nvSpPr>
+          <p:cNvPr id="87" name="CustomShape 2"/>
+          <p:cNvSpPr/>
           <p:nvPr/>
         </p:nvSpPr>
         <p:spPr>
           <a:xfrm>
             <a:off x="504000" y="1463040"/>
-            <a:ext cx="3427920" cy="602280"/>
+            <a:ext cx="3427560" cy="601920"/>
           </a:xfrm>
           <a:prstGeom prst="rect">
             <a:avLst/>
@@ -6036,6 +6181,12 @@
             <a:noFill/>
           </a:ln>
         </p:spPr>
+        <p:style>
+          <a:lnRef idx="0"/>
+          <a:fillRef idx="0"/>
+          <a:effectRef idx="0"/>
+          <a:fontRef idx="minor"/>
+        </p:style>
         <p:txBody>
           <a:bodyPr lIns="90000" rIns="90000" tIns="45000" bIns="45000"/>
           <a:p>
@@ -6093,7 +6244,7 @@
         <p:spPr>
           <a:xfrm>
             <a:off x="914400" y="1970280"/>
-            <a:ext cx="2676240" cy="1047240"/>
+            <a:ext cx="2675880" cy="1046880"/>
           </a:xfrm>
           <a:prstGeom prst="rect">
             <a:avLst/>
@@ -6105,14 +6256,14 @@
       </p:pic>
       <p:sp>
         <p:nvSpPr>
-          <p:cNvPr id="89" name="TextShape 3"/>
-          <p:cNvSpPr txBox="1"/>
+          <p:cNvPr id="89" name="CustomShape 3"/>
+          <p:cNvSpPr/>
           <p:nvPr/>
         </p:nvSpPr>
         <p:spPr>
           <a:xfrm>
             <a:off x="548640" y="3200400"/>
-            <a:ext cx="4754880" cy="1370160"/>
+            <a:ext cx="4754520" cy="1369800"/>
           </a:xfrm>
           <a:prstGeom prst="rect">
             <a:avLst/>
@@ -6122,6 +6273,12 @@
             <a:noFill/>
           </a:ln>
         </p:spPr>
+        <p:style>
+          <a:lnRef idx="0"/>
+          <a:fillRef idx="0"/>
+          <a:effectRef idx="0"/>
+          <a:fontRef idx="minor"/>
+        </p:style>
         <p:txBody>
           <a:bodyPr lIns="90000" rIns="90000" tIns="45000" bIns="45000"/>
           <a:p>
@@ -6152,21 +6309,19 @@
             </a:endParaRPr>
           </a:p>
           <a:p>
-            <a:r>
-              <a:rPr b="1" lang="en-US" sz="1800" spc="-1" strike="noStrike">
-                <a:solidFill>
-                  <a:srgbClr val="000000"/>
-                </a:solidFill>
-                <a:uFill>
-                  <a:solidFill>
-                    <a:srgbClr val="ffffff"/>
-                  </a:solidFill>
-                </a:uFill>
-                <a:latin typeface="Arial"/>
-              </a:rPr>
-              <a:t>
-</a:t>
-            </a:r>
+            <a:endParaRPr lang="en-US" sz="1800" spc="-1" strike="noStrike">
+              <a:solidFill>
+                <a:srgbClr val="000000"/>
+              </a:solidFill>
+              <a:uFill>
+                <a:solidFill>
+                  <a:srgbClr val="ffffff"/>
+                </a:solidFill>
+              </a:uFill>
+              <a:latin typeface="Arial"/>
+            </a:endParaRPr>
+          </a:p>
+          <a:p>
             <a:r>
               <a:rPr b="1" lang="en-US" sz="1800" spc="-1" strike="noStrike">
                 <a:solidFill>
@@ -6314,14 +6469,14 @@
       </p:grpSpPr>
       <p:sp>
         <p:nvSpPr>
-          <p:cNvPr id="90" name="TextShape 1"/>
-          <p:cNvSpPr txBox="1"/>
+          <p:cNvPr id="90" name="CustomShape 1"/>
+          <p:cNvSpPr/>
           <p:nvPr/>
         </p:nvSpPr>
         <p:spPr>
           <a:xfrm>
             <a:off x="504000" y="18360"/>
-            <a:ext cx="9371520" cy="1261800"/>
+            <a:ext cx="9371160" cy="1261440"/>
           </a:xfrm>
           <a:prstGeom prst="rect">
             <a:avLst/>
@@ -6331,10 +6486,20 @@
             <a:noFill/>
           </a:ln>
         </p:spPr>
+        <p:style>
+          <a:lnRef idx="0"/>
+          <a:fillRef idx="0"/>
+          <a:effectRef idx="0"/>
+          <a:fontRef idx="minor"/>
+        </p:style>
         <p:txBody>
           <a:bodyPr lIns="0" rIns="0" tIns="0" bIns="0" anchor="ctr"/>
           <a:p>
-            <a:pPr algn="ctr"/>
+            <a:pPr algn="ctr">
+              <a:lnSpc>
+                <a:spcPct val="100000"/>
+              </a:lnSpc>
+            </a:pPr>
             <a:r>
               <a:rPr lang="en-US" sz="4400" spc="-1" strike="noStrike">
                 <a:solidFill>
@@ -6349,30 +6514,30 @@
               </a:rPr>
               <a:t>One Sample T-Test </a:t>
             </a:r>
-            <a:endParaRPr lang="en-US" sz="4400" spc="-1" strike="noStrike">
-              <a:solidFill>
-                <a:srgbClr val="000000"/>
-              </a:solidFill>
-              <a:uFill>
-                <a:solidFill>
-                  <a:srgbClr val="ffffff"/>
-                </a:solidFill>
-              </a:uFill>
-              <a:latin typeface="Arial"/>
-            </a:endParaRPr>
-          </a:p>
-        </p:txBody>
-      </p:sp>
-      <p:sp>
-        <p:nvSpPr>
-          <p:cNvPr id="91" name="TextShape 2"/>
-          <p:cNvSpPr txBox="1"/>
+            <a:endParaRPr lang="en-US" sz="1800" spc="-1" strike="noStrike">
+              <a:solidFill>
+                <a:srgbClr val="000000"/>
+              </a:solidFill>
+              <a:uFill>
+                <a:solidFill>
+                  <a:srgbClr val="ffffff"/>
+                </a:solidFill>
+              </a:uFill>
+              <a:latin typeface="Arial"/>
+            </a:endParaRPr>
+          </a:p>
+        </p:txBody>
+      </p:sp>
+      <p:sp>
+        <p:nvSpPr>
+          <p:cNvPr id="91" name="CustomShape 2"/>
+          <p:cNvSpPr/>
           <p:nvPr/>
         </p:nvSpPr>
         <p:spPr>
           <a:xfrm>
             <a:off x="504000" y="1188720"/>
-            <a:ext cx="8731440" cy="1114200"/>
+            <a:ext cx="8731080" cy="1113840"/>
           </a:xfrm>
           <a:prstGeom prst="rect">
             <a:avLst/>
@@ -6382,6 +6547,12 @@
             <a:noFill/>
           </a:ln>
         </p:spPr>
+        <p:style>
+          <a:lnRef idx="0"/>
+          <a:fillRef idx="0"/>
+          <a:effectRef idx="0"/>
+          <a:fontRef idx="minor"/>
+        </p:style>
         <p:txBody>
           <a:bodyPr lIns="90000" rIns="90000" tIns="45000" bIns="45000"/>
           <a:p>
@@ -6507,7 +6678,7 @@
         <p:spPr>
           <a:xfrm>
             <a:off x="822960" y="2377440"/>
-            <a:ext cx="8000640" cy="4809600"/>
+            <a:ext cx="8000280" cy="4809240"/>
           </a:xfrm>
           <a:prstGeom prst="rect">
             <a:avLst/>
@@ -6525,8 +6696,8 @@
         </p:nvSpPr>
         <p:spPr>
           <a:xfrm rot="21580200">
-            <a:off x="5401800" y="5760360"/>
-            <a:ext cx="550080" cy="365760"/>
+            <a:off x="5401440" y="5760000"/>
+            <a:ext cx="549720" cy="365400"/>
           </a:xfrm>
           <a:prstGeom prst="rect">
             <a:avLst/>
@@ -6608,7 +6779,7 @@
         <p:spPr>
           <a:xfrm>
             <a:off x="379440" y="567720"/>
-            <a:ext cx="9400680" cy="6447960"/>
+            <a:ext cx="9400320" cy="6447600"/>
           </a:xfrm>
           <a:prstGeom prst="rect">
             <a:avLst/>
@@ -6669,14 +6840,14 @@
       </p:grpSpPr>
       <p:sp>
         <p:nvSpPr>
-          <p:cNvPr id="95" name="TextShape 1"/>
-          <p:cNvSpPr txBox="1"/>
+          <p:cNvPr id="95" name="CustomShape 1"/>
+          <p:cNvSpPr/>
           <p:nvPr/>
         </p:nvSpPr>
         <p:spPr>
           <a:xfrm>
             <a:off x="504000" y="301320"/>
-            <a:ext cx="9071280" cy="1261800"/>
+            <a:ext cx="9070920" cy="1261440"/>
           </a:xfrm>
           <a:prstGeom prst="rect">
             <a:avLst/>
@@ -6686,10 +6857,20 @@
             <a:noFill/>
           </a:ln>
         </p:spPr>
+        <p:style>
+          <a:lnRef idx="0"/>
+          <a:fillRef idx="0"/>
+          <a:effectRef idx="0"/>
+          <a:fontRef idx="minor"/>
+        </p:style>
         <p:txBody>
           <a:bodyPr lIns="0" rIns="0" tIns="0" bIns="0" anchor="ctr"/>
           <a:p>
-            <a:pPr algn="ctr"/>
+            <a:pPr algn="ctr">
+              <a:lnSpc>
+                <a:spcPct val="100000"/>
+              </a:lnSpc>
+            </a:pPr>
             <a:r>
               <a:rPr lang="en-US" sz="4400" spc="-1" strike="noStrike">
                 <a:solidFill>
@@ -6704,30 +6885,30 @@
               </a:rPr>
               <a:t>Two-Sample T-test (Welch's T-test)</a:t>
             </a:r>
-            <a:endParaRPr lang="en-US" sz="4400" spc="-1" strike="noStrike">
-              <a:solidFill>
-                <a:srgbClr val="000000"/>
-              </a:solidFill>
-              <a:uFill>
-                <a:solidFill>
-                  <a:srgbClr val="ffffff"/>
-                </a:solidFill>
-              </a:uFill>
-              <a:latin typeface="Arial"/>
-            </a:endParaRPr>
-          </a:p>
-        </p:txBody>
-      </p:sp>
-      <p:sp>
-        <p:nvSpPr>
-          <p:cNvPr id="96" name="TextShape 2"/>
-          <p:cNvSpPr txBox="1"/>
+            <a:endParaRPr lang="en-US" sz="1800" spc="-1" strike="noStrike">
+              <a:solidFill>
+                <a:srgbClr val="000000"/>
+              </a:solidFill>
+              <a:uFill>
+                <a:solidFill>
+                  <a:srgbClr val="ffffff"/>
+                </a:solidFill>
+              </a:uFill>
+              <a:latin typeface="Arial"/>
+            </a:endParaRPr>
+          </a:p>
+        </p:txBody>
+      </p:sp>
+      <p:sp>
+        <p:nvSpPr>
+          <p:cNvPr id="96" name="CustomShape 2"/>
+          <p:cNvSpPr/>
           <p:nvPr/>
         </p:nvSpPr>
         <p:spPr>
           <a:xfrm>
             <a:off x="457200" y="1737360"/>
-            <a:ext cx="9418320" cy="2394000"/>
+            <a:ext cx="9417960" cy="2393640"/>
           </a:xfrm>
           <a:prstGeom prst="rect">
             <a:avLst/>
@@ -6737,6 +6918,12 @@
             <a:noFill/>
           </a:ln>
         </p:spPr>
+        <p:style>
+          <a:lnRef idx="0"/>
+          <a:fillRef idx="0"/>
+          <a:effectRef idx="0"/>
+          <a:fontRef idx="minor"/>
+        </p:style>
         <p:txBody>
           <a:bodyPr lIns="90000" rIns="90000" tIns="45000" bIns="45000"/>
           <a:p>
@@ -6995,14 +7182,14 @@
       </p:grpSpPr>
       <p:sp>
         <p:nvSpPr>
-          <p:cNvPr id="97" name="TextShape 1"/>
-          <p:cNvSpPr txBox="1"/>
+          <p:cNvPr id="97" name="CustomShape 1"/>
+          <p:cNvSpPr/>
           <p:nvPr/>
         </p:nvSpPr>
         <p:spPr>
           <a:xfrm>
             <a:off x="504000" y="301320"/>
-            <a:ext cx="9071280" cy="1261800"/>
+            <a:ext cx="9070920" cy="1261440"/>
           </a:xfrm>
           <a:prstGeom prst="rect">
             <a:avLst/>
@@ -7012,10 +7199,20 @@
             <a:noFill/>
           </a:ln>
         </p:spPr>
+        <p:style>
+          <a:lnRef idx="0"/>
+          <a:fillRef idx="0"/>
+          <a:effectRef idx="0"/>
+          <a:fontRef idx="minor"/>
+        </p:style>
         <p:txBody>
           <a:bodyPr lIns="0" rIns="0" tIns="0" bIns="0" anchor="ctr"/>
           <a:p>
-            <a:pPr algn="ctr"/>
+            <a:pPr algn="ctr">
+              <a:lnSpc>
+                <a:spcPct val="100000"/>
+              </a:lnSpc>
+            </a:pPr>
             <a:r>
               <a:rPr lang="en-US" sz="4400" spc="-1" strike="noStrike">
                 <a:solidFill>
@@ -7030,30 +7227,30 @@
               </a:rPr>
               <a:t>Two Sample T-test (Welch's T-test)</a:t>
             </a:r>
-            <a:endParaRPr lang="en-US" sz="4400" spc="-1" strike="noStrike">
-              <a:solidFill>
-                <a:srgbClr val="000000"/>
-              </a:solidFill>
-              <a:uFill>
-                <a:solidFill>
-                  <a:srgbClr val="ffffff"/>
-                </a:solidFill>
-              </a:uFill>
-              <a:latin typeface="Arial"/>
-            </a:endParaRPr>
-          </a:p>
-        </p:txBody>
-      </p:sp>
-      <p:sp>
-        <p:nvSpPr>
-          <p:cNvPr id="98" name="TextShape 2"/>
-          <p:cNvSpPr txBox="1"/>
+            <a:endParaRPr lang="en-US" sz="1800" spc="-1" strike="noStrike">
+              <a:solidFill>
+                <a:srgbClr val="000000"/>
+              </a:solidFill>
+              <a:uFill>
+                <a:solidFill>
+                  <a:srgbClr val="ffffff"/>
+                </a:solidFill>
+              </a:uFill>
+              <a:latin typeface="Arial"/>
+            </a:endParaRPr>
+          </a:p>
+        </p:txBody>
+      </p:sp>
+      <p:sp>
+        <p:nvSpPr>
+          <p:cNvPr id="98" name="CustomShape 2"/>
+          <p:cNvSpPr/>
           <p:nvPr/>
         </p:nvSpPr>
         <p:spPr>
           <a:xfrm>
             <a:off x="731520" y="1645920"/>
-            <a:ext cx="9052560" cy="1114200"/>
+            <a:ext cx="9052200" cy="1113840"/>
           </a:xfrm>
           <a:prstGeom prst="rect">
             <a:avLst/>
@@ -7063,10 +7260,19 @@
             <a:noFill/>
           </a:ln>
         </p:spPr>
+        <p:style>
+          <a:lnRef idx="0"/>
+          <a:fillRef idx="0"/>
+          <a:effectRef idx="0"/>
+          <a:fontRef idx="minor"/>
+        </p:style>
         <p:txBody>
           <a:bodyPr lIns="90000" rIns="90000" tIns="45000" bIns="45000"/>
           <a:p>
-            <a:pPr marL="216000" indent="-216000">
+            <a:pPr marL="216000" indent="-215640">
+              <a:lnSpc>
+                <a:spcPct val="100000"/>
+              </a:lnSpc>
               <a:buClr>
                 <a:srgbClr val="000000"/>
               </a:buClr>
@@ -7101,7 +7307,10 @@
             </a:endParaRPr>
           </a:p>
           <a:p>
-            <a:pPr marL="216000" indent="-216000">
+            <a:pPr marL="216000" indent="-215640">
+              <a:lnSpc>
+                <a:spcPct val="100000"/>
+              </a:lnSpc>
               <a:buClr>
                 <a:srgbClr val="000000"/>
               </a:buClr>
@@ -7136,7 +7345,10 @@
             </a:endParaRPr>
           </a:p>
           <a:p>
-            <a:pPr marL="216000" indent="-216000">
+            <a:pPr marL="216000" indent="-215640">
+              <a:lnSpc>
+                <a:spcPct val="100000"/>
+              </a:lnSpc>
               <a:buClr>
                 <a:srgbClr val="000000"/>
               </a:buClr>
@@ -7185,7 +7397,7 @@
         <p:spPr>
           <a:xfrm>
             <a:off x="1640520" y="2834640"/>
-            <a:ext cx="5857560" cy="2381040"/>
+            <a:ext cx="5857200" cy="2380680"/>
           </a:xfrm>
           <a:prstGeom prst="rect">
             <a:avLst/>
@@ -7197,14 +7409,14 @@
       </p:pic>
       <p:sp>
         <p:nvSpPr>
-          <p:cNvPr id="100" name="TextShape 3"/>
-          <p:cNvSpPr txBox="1"/>
+          <p:cNvPr id="100" name="CustomShape 3"/>
+          <p:cNvSpPr/>
           <p:nvPr/>
         </p:nvSpPr>
         <p:spPr>
           <a:xfrm>
             <a:off x="548640" y="5212080"/>
-            <a:ext cx="8961120" cy="2138040"/>
+            <a:ext cx="8960760" cy="2137680"/>
           </a:xfrm>
           <a:prstGeom prst="rect">
             <a:avLst/>
@@ -7214,6 +7426,12 @@
             <a:noFill/>
           </a:ln>
         </p:spPr>
+        <p:style>
+          <a:lnRef idx="0"/>
+          <a:fillRef idx="0"/>
+          <a:effectRef idx="0"/>
+          <a:fontRef idx="minor"/>
+        </p:style>
         <p:txBody>
           <a:bodyPr lIns="90000" rIns="90000" tIns="45000" bIns="45000"/>
           <a:p>
